--- a/assets/downloads/ieeevr-2023-template.pptx
+++ b/assets/downloads/ieeevr-2023-template.pptx
@@ -5,15 +5,12 @@
     <p:sldMasterId id="2147483648" r:id="rId1"/>
   </p:sldMasterIdLst>
   <p:handoutMasterIdLst>
-    <p:handoutMasterId r:id="rId8"/>
+    <p:handoutMasterId r:id="rId5"/>
   </p:handoutMasterIdLst>
   <p:sldIdLst>
     <p:sldId id="256" r:id="rId2"/>
     <p:sldId id="262" r:id="rId3"/>
     <p:sldId id="260" r:id="rId4"/>
-    <p:sldId id="264" r:id="rId5"/>
-    <p:sldId id="263" r:id="rId6"/>
-    <p:sldId id="265" r:id="rId7"/>
   </p:sldIdLst>
   <p:sldSz cx="12192000" cy="6858000"/>
   <p:notesSz cx="6858000" cy="9144000"/>
@@ -228,7 +225,7 @@
           <a:p>
             <a:fld id="{F16B558E-19AF-4C4F-B204-E033384A98D3}" type="datetimeFigureOut">
               <a:rPr lang="en-CN" smtClean="0"/>
-              <a:t>2023/2/26</a:t>
+              <a:t>2023/3/14</a:t>
             </a:fld>
             <a:endParaRPr lang="en-CN"/>
           </a:p>
@@ -484,7 +481,7 @@
           <a:p>
             <a:fld id="{8EA6E1DD-C589-44A4-B774-5C71ED738215}" type="datetimeFigureOut">
               <a:rPr lang="zh-CN" altLang="en-US" smtClean="0"/>
-              <a:t>2023/2/26</a:t>
+              <a:t>2023/3/14</a:t>
             </a:fld>
             <a:endParaRPr lang="zh-CN" altLang="en-US"/>
           </a:p>
@@ -560,20 +557,6 @@
 <file path=ppt/slideLayouts/slideLayout10.xml><?xml version="1.0" encoding="utf-8"?>
 <p:sldLayout xmlns:a="http://schemas.openxmlformats.org/drawingml/2006/main" xmlns:r="http://schemas.openxmlformats.org/officeDocument/2006/relationships" xmlns:p="http://schemas.openxmlformats.org/presentationml/2006/main" type="vertTx" preserve="1">
   <p:cSld name="标题和竖排文字">
-    <p:bg>
-      <p:bgPr>
-        <a:blipFill dpi="0" rotWithShape="1">
-          <a:blip r:embed="rId2">
-            <a:lum/>
-          </a:blip>
-          <a:srcRect/>
-          <a:stretch>
-            <a:fillRect/>
-          </a:stretch>
-        </a:blipFill>
-        <a:effectLst/>
-      </p:bgPr>
-    </p:bg>
     <p:spTree>
       <p:nvGrpSpPr>
         <p:cNvPr id="1" name=""/>
@@ -696,7 +679,7 @@
           <a:p>
             <a:fld id="{8EA6E1DD-C589-44A4-B774-5C71ED738215}" type="datetimeFigureOut">
               <a:rPr lang="zh-CN" altLang="en-US" smtClean="0"/>
-              <a:t>2023/2/26</a:t>
+              <a:t>2023/3/14</a:t>
             </a:fld>
             <a:endParaRPr lang="zh-CN" altLang="en-US"/>
           </a:p>
@@ -772,20 +755,6 @@
 <file path=ppt/slideLayouts/slideLayout11.xml><?xml version="1.0" encoding="utf-8"?>
 <p:sldLayout xmlns:a="http://schemas.openxmlformats.org/drawingml/2006/main" xmlns:r="http://schemas.openxmlformats.org/officeDocument/2006/relationships" xmlns:p="http://schemas.openxmlformats.org/presentationml/2006/main" type="vertTitleAndTx" preserve="1">
   <p:cSld name="竖排标题与文本">
-    <p:bg>
-      <p:bgPr>
-        <a:blipFill dpi="0" rotWithShape="1">
-          <a:blip r:embed="rId2">
-            <a:lum/>
-          </a:blip>
-          <a:srcRect/>
-          <a:stretch>
-            <a:fillRect/>
-          </a:stretch>
-        </a:blipFill>
-        <a:effectLst/>
-      </p:bgPr>
-    </p:bg>
     <p:spTree>
       <p:nvGrpSpPr>
         <p:cNvPr id="1" name=""/>
@@ -918,7 +887,7 @@
           <a:p>
             <a:fld id="{8EA6E1DD-C589-44A4-B774-5C71ED738215}" type="datetimeFigureOut">
               <a:rPr lang="zh-CN" altLang="en-US" smtClean="0"/>
-              <a:t>2023/2/26</a:t>
+              <a:t>2023/3/14</a:t>
             </a:fld>
             <a:endParaRPr lang="zh-CN" altLang="en-US"/>
           </a:p>
@@ -994,20 +963,6 @@
 <file path=ppt/slideLayouts/slideLayout2.xml><?xml version="1.0" encoding="utf-8"?>
 <p:sldLayout xmlns:a="http://schemas.openxmlformats.org/drawingml/2006/main" xmlns:r="http://schemas.openxmlformats.org/officeDocument/2006/relationships" xmlns:p="http://schemas.openxmlformats.org/presentationml/2006/main" type="obj" preserve="1">
   <p:cSld name="标题和内容">
-    <p:bg>
-      <p:bgPr>
-        <a:blipFill dpi="0" rotWithShape="1">
-          <a:blip r:embed="rId2">
-            <a:lum/>
-          </a:blip>
-          <a:srcRect/>
-          <a:stretch>
-            <a:fillRect/>
-          </a:stretch>
-        </a:blipFill>
-        <a:effectLst/>
-      </p:bgPr>
-    </p:bg>
     <p:spTree>
       <p:nvGrpSpPr>
         <p:cNvPr id="1" name=""/>
@@ -1130,7 +1085,7 @@
           <a:p>
             <a:fld id="{8EA6E1DD-C589-44A4-B774-5C71ED738215}" type="datetimeFigureOut">
               <a:rPr lang="zh-CN" altLang="en-US" smtClean="0"/>
-              <a:t>2023/2/26</a:t>
+              <a:t>2023/3/14</a:t>
             </a:fld>
             <a:endParaRPr lang="zh-CN" altLang="en-US"/>
           </a:p>
@@ -1419,7 +1374,7 @@
           <a:p>
             <a:fld id="{8EA6E1DD-C589-44A4-B774-5C71ED738215}" type="datetimeFigureOut">
               <a:rPr lang="zh-CN" altLang="en-US" smtClean="0"/>
-              <a:t>2023/2/26</a:t>
+              <a:t>2023/3/14</a:t>
             </a:fld>
             <a:endParaRPr lang="zh-CN" altLang="en-US"/>
           </a:p>
@@ -1495,20 +1450,6 @@
 <file path=ppt/slideLayouts/slideLayout4.xml><?xml version="1.0" encoding="utf-8"?>
 <p:sldLayout xmlns:a="http://schemas.openxmlformats.org/drawingml/2006/main" xmlns:r="http://schemas.openxmlformats.org/officeDocument/2006/relationships" xmlns:p="http://schemas.openxmlformats.org/presentationml/2006/main" type="twoObj" preserve="1">
   <p:cSld name="两栏内容">
-    <p:bg>
-      <p:bgPr>
-        <a:blipFill dpi="0" rotWithShape="1">
-          <a:blip r:embed="rId2">
-            <a:lum/>
-          </a:blip>
-          <a:srcRect/>
-          <a:stretch>
-            <a:fillRect/>
-          </a:stretch>
-        </a:blipFill>
-        <a:effectLst/>
-      </p:bgPr>
-    </p:bg>
     <p:spTree>
       <p:nvGrpSpPr>
         <p:cNvPr id="1" name=""/>
@@ -1698,7 +1639,7 @@
           <a:p>
             <a:fld id="{8EA6E1DD-C589-44A4-B774-5C71ED738215}" type="datetimeFigureOut">
               <a:rPr lang="zh-CN" altLang="en-US" smtClean="0"/>
-              <a:t>2023/2/26</a:t>
+              <a:t>2023/3/14</a:t>
             </a:fld>
             <a:endParaRPr lang="zh-CN" altLang="en-US"/>
           </a:p>
@@ -1774,20 +1715,6 @@
 <file path=ppt/slideLayouts/slideLayout5.xml><?xml version="1.0" encoding="utf-8"?>
 <p:sldLayout xmlns:a="http://schemas.openxmlformats.org/drawingml/2006/main" xmlns:r="http://schemas.openxmlformats.org/officeDocument/2006/relationships" xmlns:p="http://schemas.openxmlformats.org/presentationml/2006/main" type="twoTxTwoObj" preserve="1">
   <p:cSld name="比较">
-    <p:bg>
-      <p:bgPr>
-        <a:blipFill dpi="0" rotWithShape="1">
-          <a:blip r:embed="rId2">
-            <a:lum/>
-          </a:blip>
-          <a:srcRect/>
-          <a:stretch>
-            <a:fillRect/>
-          </a:stretch>
-        </a:blipFill>
-        <a:effectLst/>
-      </p:bgPr>
-    </p:bg>
     <p:spTree>
       <p:nvGrpSpPr>
         <p:cNvPr id="1" name=""/>
@@ -2124,7 +2051,7 @@
           <a:p>
             <a:fld id="{8EA6E1DD-C589-44A4-B774-5C71ED738215}" type="datetimeFigureOut">
               <a:rPr lang="zh-CN" altLang="en-US" smtClean="0"/>
-              <a:t>2023/2/26</a:t>
+              <a:t>2023/3/14</a:t>
             </a:fld>
             <a:endParaRPr lang="zh-CN" altLang="en-US"/>
           </a:p>
@@ -2200,20 +2127,6 @@
 <file path=ppt/slideLayouts/slideLayout6.xml><?xml version="1.0" encoding="utf-8"?>
 <p:sldLayout xmlns:a="http://schemas.openxmlformats.org/drawingml/2006/main" xmlns:r="http://schemas.openxmlformats.org/officeDocument/2006/relationships" xmlns:p="http://schemas.openxmlformats.org/presentationml/2006/main" type="titleOnly" preserve="1">
   <p:cSld name="仅标题">
-    <p:bg>
-      <p:bgPr>
-        <a:blipFill dpi="0" rotWithShape="1">
-          <a:blip r:embed="rId2">
-            <a:lum/>
-          </a:blip>
-          <a:srcRect/>
-          <a:stretch>
-            <a:fillRect/>
-          </a:stretch>
-        </a:blipFill>
-        <a:effectLst/>
-      </p:bgPr>
-    </p:bg>
     <p:spTree>
       <p:nvGrpSpPr>
         <p:cNvPr id="1" name=""/>
@@ -2279,7 +2192,7 @@
           <a:p>
             <a:fld id="{8EA6E1DD-C589-44A4-B774-5C71ED738215}" type="datetimeFigureOut">
               <a:rPr lang="zh-CN" altLang="en-US" smtClean="0"/>
-              <a:t>2023/2/26</a:t>
+              <a:t>2023/3/14</a:t>
             </a:fld>
             <a:endParaRPr lang="zh-CN" altLang="en-US"/>
           </a:p>
@@ -2355,20 +2268,6 @@
 <file path=ppt/slideLayouts/slideLayout7.xml><?xml version="1.0" encoding="utf-8"?>
 <p:sldLayout xmlns:a="http://schemas.openxmlformats.org/drawingml/2006/main" xmlns:r="http://schemas.openxmlformats.org/officeDocument/2006/relationships" xmlns:p="http://schemas.openxmlformats.org/presentationml/2006/main" type="blank" preserve="1">
   <p:cSld name="空白">
-    <p:bg>
-      <p:bgPr>
-        <a:blipFill dpi="0" rotWithShape="1">
-          <a:blip r:embed="rId2">
-            <a:lum/>
-          </a:blip>
-          <a:srcRect/>
-          <a:stretch>
-            <a:fillRect/>
-          </a:stretch>
-        </a:blipFill>
-        <a:effectLst/>
-      </p:bgPr>
-    </p:bg>
     <p:spTree>
       <p:nvGrpSpPr>
         <p:cNvPr id="1" name=""/>
@@ -2406,7 +2305,7 @@
           <a:p>
             <a:fld id="{8EA6E1DD-C589-44A4-B774-5C71ED738215}" type="datetimeFigureOut">
               <a:rPr lang="zh-CN" altLang="en-US" smtClean="0"/>
-              <a:t>2023/2/26</a:t>
+              <a:t>2023/3/14</a:t>
             </a:fld>
             <a:endParaRPr lang="zh-CN" altLang="en-US"/>
           </a:p>
@@ -2482,20 +2381,6 @@
 <file path=ppt/slideLayouts/slideLayout8.xml><?xml version="1.0" encoding="utf-8"?>
 <p:sldLayout xmlns:a="http://schemas.openxmlformats.org/drawingml/2006/main" xmlns:r="http://schemas.openxmlformats.org/officeDocument/2006/relationships" xmlns:p="http://schemas.openxmlformats.org/presentationml/2006/main" type="objTx" preserve="1">
   <p:cSld name="内容与标题">
-    <p:bg>
-      <p:bgPr>
-        <a:blipFill dpi="0" rotWithShape="1">
-          <a:blip r:embed="rId2">
-            <a:lum/>
-          </a:blip>
-          <a:srcRect/>
-          <a:stretch>
-            <a:fillRect/>
-          </a:stretch>
-        </a:blipFill>
-        <a:effectLst/>
-      </p:bgPr>
-    </p:bg>
     <p:spTree>
       <p:nvGrpSpPr>
         <p:cNvPr id="1" name=""/>
@@ -2731,7 +2616,7 @@
           <a:p>
             <a:fld id="{8EA6E1DD-C589-44A4-B774-5C71ED738215}" type="datetimeFigureOut">
               <a:rPr lang="zh-CN" altLang="en-US" smtClean="0"/>
-              <a:t>2023/2/26</a:t>
+              <a:t>2023/3/14</a:t>
             </a:fld>
             <a:endParaRPr lang="zh-CN" altLang="en-US"/>
           </a:p>
@@ -2807,20 +2692,6 @@
 <file path=ppt/slideLayouts/slideLayout9.xml><?xml version="1.0" encoding="utf-8"?>
 <p:sldLayout xmlns:a="http://schemas.openxmlformats.org/drawingml/2006/main" xmlns:r="http://schemas.openxmlformats.org/officeDocument/2006/relationships" xmlns:p="http://schemas.openxmlformats.org/presentationml/2006/main" type="picTx" preserve="1">
   <p:cSld name="图片与标题">
-    <p:bg>
-      <p:bgPr>
-        <a:blipFill dpi="0" rotWithShape="1">
-          <a:blip r:embed="rId2">
-            <a:lum/>
-          </a:blip>
-          <a:srcRect/>
-          <a:stretch>
-            <a:fillRect/>
-          </a:stretch>
-        </a:blipFill>
-        <a:effectLst/>
-      </p:bgPr>
-    </p:bg>
     <p:spTree>
       <p:nvGrpSpPr>
         <p:cNvPr id="1" name=""/>
@@ -3033,7 +2904,7 @@
           <a:p>
             <a:fld id="{8EA6E1DD-C589-44A4-B774-5C71ED738215}" type="datetimeFigureOut">
               <a:rPr lang="zh-CN" altLang="en-US" smtClean="0"/>
-              <a:t>2023/2/26</a:t>
+              <a:t>2023/3/14</a:t>
             </a:fld>
             <a:endParaRPr lang="zh-CN" altLang="en-US"/>
           </a:p>
@@ -3283,7 +3154,7 @@
           <a:p>
             <a:fld id="{8EA6E1DD-C589-44A4-B774-5C71ED738215}" type="datetimeFigureOut">
               <a:rPr lang="zh-CN" altLang="en-US" smtClean="0"/>
-              <a:t>2023/2/26</a:t>
+              <a:t>2023/3/14</a:t>
             </a:fld>
             <a:endParaRPr lang="zh-CN" altLang="en-US"/>
           </a:p>
@@ -3686,20 +3557,6 @@
 <file path=ppt/slides/slide1.xml><?xml version="1.0" encoding="utf-8"?>
 <p:sld xmlns:a="http://schemas.openxmlformats.org/drawingml/2006/main" xmlns:r="http://schemas.openxmlformats.org/officeDocument/2006/relationships" xmlns:p="http://schemas.openxmlformats.org/presentationml/2006/main">
   <p:cSld>
-    <p:bg>
-      <p:bgPr>
-        <a:blipFill dpi="0" rotWithShape="1">
-          <a:blip r:embed="rId2">
-            <a:lum/>
-          </a:blip>
-          <a:srcRect/>
-          <a:stretch>
-            <a:fillRect/>
-          </a:stretch>
-        </a:blipFill>
-        <a:effectLst/>
-      </p:bgPr>
-    </p:bg>
     <p:spTree>
       <p:nvGrpSpPr>
         <p:cNvPr id="1" name=""/>
@@ -3716,10 +3573,222 @@
       </p:grpSpPr>
       <p:sp>
         <p:nvSpPr>
-          <p:cNvPr id="11" name="标题 1">
-            <a:extLst>
-              <a:ext uri="{FF2B5EF4-FFF2-40B4-BE49-F238E27FC236}">
-                <a16:creationId xmlns:a16="http://schemas.microsoft.com/office/drawing/2014/main" id="{76F015D0-021D-E33D-0428-120E7A715C35}"/>
+          <p:cNvPr id="2" name="TextBox 1">
+            <a:extLst>
+              <a:ext uri="{FF2B5EF4-FFF2-40B4-BE49-F238E27FC236}">
+                <a16:creationId xmlns:a16="http://schemas.microsoft.com/office/drawing/2014/main" id="{C5E90E72-50D4-93DE-AE55-53FD2D50419B}"/>
+              </a:ext>
+            </a:extLst>
+          </p:cNvPr>
+          <p:cNvSpPr txBox="1"/>
+          <p:nvPr/>
+        </p:nvSpPr>
+        <p:spPr>
+          <a:xfrm>
+            <a:off x="1772239" y="1178351"/>
+            <a:ext cx="184731" cy="369332"/>
+          </a:xfrm>
+          <a:prstGeom prst="rect">
+            <a:avLst/>
+          </a:prstGeom>
+          <a:noFill/>
+        </p:spPr>
+        <p:txBody>
+          <a:bodyPr wrap="none" rtlCol="0">
+            <a:spAutoFit/>
+          </a:bodyPr>
+          <a:lstStyle/>
+          <a:p>
+            <a:endParaRPr lang="en-CN" dirty="0"/>
+          </a:p>
+        </p:txBody>
+      </p:sp>
+      <p:sp>
+        <p:nvSpPr>
+          <p:cNvPr id="3" name="Title 2">
+            <a:extLst>
+              <a:ext uri="{FF2B5EF4-FFF2-40B4-BE49-F238E27FC236}">
+                <a16:creationId xmlns:a16="http://schemas.microsoft.com/office/drawing/2014/main" id="{4B4B64FE-3103-D0E8-C56F-451B3F01C6F4}"/>
+              </a:ext>
+            </a:extLst>
+          </p:cNvPr>
+          <p:cNvSpPr>
+            <a:spLocks noGrp="1"/>
+          </p:cNvSpPr>
+          <p:nvPr>
+            <p:ph type="ctrTitle"/>
+          </p:nvPr>
+        </p:nvSpPr>
+        <p:spPr/>
+        <p:txBody>
+          <a:bodyPr/>
+          <a:lstStyle/>
+          <a:p>
+            <a:r>
+              <a:rPr lang="en-US" altLang="zh-CN" sz="6000" b="1" dirty="0">
+                <a:solidFill>
+                  <a:srgbClr val="12689B"/>
+                </a:solidFill>
+                <a:latin typeface="Helvetica" panose="020B0604020202030204" pitchFamily="34" charset="0"/>
+              </a:rPr>
+              <a:t>Title of Presentation</a:t>
+            </a:r>
+            <a:endParaRPr lang="en-CN" dirty="0"/>
+          </a:p>
+        </p:txBody>
+      </p:sp>
+      <p:sp>
+        <p:nvSpPr>
+          <p:cNvPr id="4" name="Subtitle 3">
+            <a:extLst>
+              <a:ext uri="{FF2B5EF4-FFF2-40B4-BE49-F238E27FC236}">
+                <a16:creationId xmlns:a16="http://schemas.microsoft.com/office/drawing/2014/main" id="{F38DEEF4-722B-D017-ACC9-755973298C0D}"/>
+              </a:ext>
+            </a:extLst>
+          </p:cNvPr>
+          <p:cNvSpPr>
+            <a:spLocks noGrp="1"/>
+          </p:cNvSpPr>
+          <p:nvPr>
+            <p:ph type="subTitle" idx="1"/>
+          </p:nvPr>
+        </p:nvSpPr>
+        <p:spPr/>
+        <p:txBody>
+          <a:bodyPr/>
+          <a:lstStyle/>
+          <a:p>
+            <a:endParaRPr lang="en-CN" dirty="0"/>
+          </a:p>
+        </p:txBody>
+      </p:sp>
+    </p:spTree>
+    <p:extLst>
+      <p:ext uri="{BB962C8B-B14F-4D97-AF65-F5344CB8AC3E}">
+        <p14:creationId xmlns:p14="http://schemas.microsoft.com/office/powerpoint/2010/main" val="329834759"/>
+      </p:ext>
+    </p:extLst>
+  </p:cSld>
+  <p:clrMapOvr>
+    <a:masterClrMapping/>
+  </p:clrMapOvr>
+</p:sld>
+</file>
+
+<file path=ppt/slides/slide2.xml><?xml version="1.0" encoding="utf-8"?>
+<p:sld xmlns:a="http://schemas.openxmlformats.org/drawingml/2006/main" xmlns:r="http://schemas.openxmlformats.org/officeDocument/2006/relationships" xmlns:p="http://schemas.openxmlformats.org/presentationml/2006/main">
+  <p:cSld>
+    <p:spTree>
+      <p:nvGrpSpPr>
+        <p:cNvPr id="1" name=""/>
+        <p:cNvGrpSpPr/>
+        <p:nvPr/>
+      </p:nvGrpSpPr>
+      <p:grpSpPr>
+        <a:xfrm>
+          <a:off x="0" y="0"/>
+          <a:ext cx="0" cy="0"/>
+          <a:chOff x="0" y="0"/>
+          <a:chExt cx="0" cy="0"/>
+        </a:xfrm>
+      </p:grpSpPr>
+      <p:sp>
+        <p:nvSpPr>
+          <p:cNvPr id="2" name="Title 1">
+            <a:extLst>
+              <a:ext uri="{FF2B5EF4-FFF2-40B4-BE49-F238E27FC236}">
+                <a16:creationId xmlns:a16="http://schemas.microsoft.com/office/drawing/2014/main" id="{BD5845E3-56DA-6208-17B0-48CEC6EDD593}"/>
+              </a:ext>
+            </a:extLst>
+          </p:cNvPr>
+          <p:cNvSpPr>
+            <a:spLocks noGrp="1"/>
+          </p:cNvSpPr>
+          <p:nvPr>
+            <p:ph type="title"/>
+          </p:nvPr>
+        </p:nvSpPr>
+        <p:spPr/>
+        <p:txBody>
+          <a:bodyPr/>
+          <a:lstStyle/>
+          <a:p>
+            <a:r>
+              <a:rPr lang="en-CN" sz="4400" dirty="0">
+                <a:solidFill>
+                  <a:srgbClr val="12689B"/>
+                </a:solidFill>
+                <a:latin typeface="Helvetica" panose="020B0604020202030204" pitchFamily="34" charset="0"/>
+              </a:rPr>
+              <a:t>Title of Presentation</a:t>
+            </a:r>
+          </a:p>
+        </p:txBody>
+      </p:sp>
+      <p:sp>
+        <p:nvSpPr>
+          <p:cNvPr id="3" name="Text Placeholder 2">
+            <a:extLst>
+              <a:ext uri="{FF2B5EF4-FFF2-40B4-BE49-F238E27FC236}">
+                <a16:creationId xmlns:a16="http://schemas.microsoft.com/office/drawing/2014/main" id="{DA0A56AD-0E1C-8BA5-A081-C7DBC6BF99E3}"/>
+              </a:ext>
+            </a:extLst>
+          </p:cNvPr>
+          <p:cNvSpPr>
+            <a:spLocks noGrp="1"/>
+          </p:cNvSpPr>
+          <p:nvPr>
+            <p:ph type="body" idx="1"/>
+          </p:nvPr>
+        </p:nvSpPr>
+        <p:spPr/>
+        <p:txBody>
+          <a:bodyPr/>
+          <a:lstStyle/>
+          <a:p>
+            <a:r>
+              <a:rPr lang="en-CN" dirty="0"/>
+              <a:t>Subtitle Here</a:t>
+            </a:r>
+          </a:p>
+        </p:txBody>
+      </p:sp>
+    </p:spTree>
+    <p:extLst>
+      <p:ext uri="{BB962C8B-B14F-4D97-AF65-F5344CB8AC3E}">
+        <p14:creationId xmlns:p14="http://schemas.microsoft.com/office/powerpoint/2010/main" val="3747338363"/>
+      </p:ext>
+    </p:extLst>
+  </p:cSld>
+  <p:clrMapOvr>
+    <a:masterClrMapping/>
+  </p:clrMapOvr>
+</p:sld>
+</file>
+
+<file path=ppt/slides/slide3.xml><?xml version="1.0" encoding="utf-8"?>
+<p:sld xmlns:a="http://schemas.openxmlformats.org/drawingml/2006/main" xmlns:r="http://schemas.openxmlformats.org/officeDocument/2006/relationships" xmlns:p="http://schemas.openxmlformats.org/presentationml/2006/main">
+  <p:cSld>
+    <p:spTree>
+      <p:nvGrpSpPr>
+        <p:cNvPr id="1" name=""/>
+        <p:cNvGrpSpPr/>
+        <p:nvPr/>
+      </p:nvGrpSpPr>
+      <p:grpSpPr>
+        <a:xfrm>
+          <a:off x="0" y="0"/>
+          <a:ext cx="0" cy="0"/>
+          <a:chOff x="0" y="0"/>
+          <a:chExt cx="0" cy="0"/>
+        </a:xfrm>
+      </p:grpSpPr>
+      <p:sp>
+        <p:nvSpPr>
+          <p:cNvPr id="8" name="标题 1">
+            <a:extLst>
+              <a:ext uri="{FF2B5EF4-FFF2-40B4-BE49-F238E27FC236}">
+                <a16:creationId xmlns:a16="http://schemas.microsoft.com/office/drawing/2014/main" id="{270EF2DA-5613-0D67-6769-F5F4A35A36D9}"/>
               </a:ext>
             </a:extLst>
           </p:cNvPr>
@@ -3730,8 +3799,8 @@
         </p:nvSpPr>
         <p:spPr>
           <a:xfrm>
-            <a:off x="1524000" y="2145666"/>
-            <a:ext cx="9144000" cy="1891672"/>
+            <a:off x="453910" y="328921"/>
+            <a:ext cx="9144000" cy="787600"/>
           </a:xfrm>
           <a:prstGeom prst="rect">
             <a:avLst/>
@@ -3761,9 +3830,8 @@
             </a:lvl1pPr>
           </a:lstStyle>
           <a:p>
-            <a:pPr algn="ctr"/>
-            <a:r>
-              <a:rPr lang="en-US" altLang="zh-CN" sz="6600" b="1" dirty="0">
+            <a:r>
+              <a:rPr lang="en-US" altLang="zh-CN" dirty="0">
                 <a:solidFill>
                   <a:srgbClr val="12689B"/>
                 </a:solidFill>
@@ -3771,7 +3839,7 @@
               </a:rPr>
               <a:t>Title of Presentation</a:t>
             </a:r>
-            <a:endParaRPr lang="zh-CN" altLang="en-US" sz="6600" b="1" dirty="0">
+            <a:endParaRPr lang="zh-CN" altLang="en-US" dirty="0">
               <a:solidFill>
                 <a:srgbClr val="12689B"/>
               </a:solidFill>
@@ -3782,10 +3850,10 @@
       </p:sp>
       <p:sp>
         <p:nvSpPr>
-          <p:cNvPr id="12" name="副标题 2">
-            <a:extLst>
-              <a:ext uri="{FF2B5EF4-FFF2-40B4-BE49-F238E27FC236}">
-                <a16:creationId xmlns:a16="http://schemas.microsoft.com/office/drawing/2014/main" id="{9234BF04-A503-BBB0-E386-3C31CEBBA4FB}"/>
+          <p:cNvPr id="9" name="副标题 2">
+            <a:extLst>
+              <a:ext uri="{FF2B5EF4-FFF2-40B4-BE49-F238E27FC236}">
+                <a16:creationId xmlns:a16="http://schemas.microsoft.com/office/drawing/2014/main" id="{DB7EF33A-B526-31E5-28CE-CECCABBD08C5}"/>
               </a:ext>
             </a:extLst>
           </p:cNvPr>
@@ -3796,8 +3864,8 @@
         </p:nvSpPr>
         <p:spPr>
           <a:xfrm>
-            <a:off x="1524000" y="4037338"/>
-            <a:ext cx="9144000" cy="1147579"/>
+            <a:off x="453910" y="1504648"/>
+            <a:ext cx="11328035" cy="4494869"/>
           </a:xfrm>
           <a:prstGeom prst="rect">
             <a:avLst/>
@@ -3972,459 +4040,6 @@
             </a:lvl9pPr>
           </a:lstStyle>
           <a:p>
-            <a:pPr marL="0" indent="0" algn="ctr">
-              <a:buNone/>
-            </a:pPr>
-            <a:r>
-              <a:rPr lang="en-US" altLang="zh-CN" dirty="0">
-                <a:latin typeface="Helvetica" panose="020B0604020202030204" pitchFamily="34" charset="0"/>
-              </a:rPr>
-              <a:t>Subtitle Here</a:t>
-            </a:r>
-            <a:endParaRPr lang="zh-CN" altLang="en-US" dirty="0">
-              <a:latin typeface="Helvetica" panose="020B0604020202030204" pitchFamily="34" charset="0"/>
-            </a:endParaRPr>
-          </a:p>
-        </p:txBody>
-      </p:sp>
-      <p:sp>
-        <p:nvSpPr>
-          <p:cNvPr id="2" name="TextBox 1">
-            <a:extLst>
-              <a:ext uri="{FF2B5EF4-FFF2-40B4-BE49-F238E27FC236}">
-                <a16:creationId xmlns:a16="http://schemas.microsoft.com/office/drawing/2014/main" id="{C5E90E72-50D4-93DE-AE55-53FD2D50419B}"/>
-              </a:ext>
-            </a:extLst>
-          </p:cNvPr>
-          <p:cNvSpPr txBox="1"/>
-          <p:nvPr/>
-        </p:nvSpPr>
-        <p:spPr>
-          <a:xfrm>
-            <a:off x="1772239" y="1178351"/>
-            <a:ext cx="184731" cy="369332"/>
-          </a:xfrm>
-          <a:prstGeom prst="rect">
-            <a:avLst/>
-          </a:prstGeom>
-          <a:noFill/>
-        </p:spPr>
-        <p:txBody>
-          <a:bodyPr wrap="none" rtlCol="0">
-            <a:spAutoFit/>
-          </a:bodyPr>
-          <a:lstStyle/>
-          <a:p>
-            <a:endParaRPr lang="en-CN" dirty="0"/>
-          </a:p>
-        </p:txBody>
-      </p:sp>
-    </p:spTree>
-    <p:extLst>
-      <p:ext uri="{BB962C8B-B14F-4D97-AF65-F5344CB8AC3E}">
-        <p14:creationId xmlns:p14="http://schemas.microsoft.com/office/powerpoint/2010/main" val="329834759"/>
-      </p:ext>
-    </p:extLst>
-  </p:cSld>
-  <p:clrMapOvr>
-    <a:masterClrMapping/>
-  </p:clrMapOvr>
-</p:sld>
-</file>
-
-<file path=ppt/slides/slide2.xml><?xml version="1.0" encoding="utf-8"?>
-<p:sld xmlns:a="http://schemas.openxmlformats.org/drawingml/2006/main" xmlns:r="http://schemas.openxmlformats.org/officeDocument/2006/relationships" xmlns:p="http://schemas.openxmlformats.org/presentationml/2006/main">
-  <p:cSld>
-    <p:bg>
-      <p:bgPr>
-        <a:blipFill dpi="0" rotWithShape="1">
-          <a:blip r:embed="rId2">
-            <a:lum/>
-          </a:blip>
-          <a:srcRect/>
-          <a:stretch>
-            <a:fillRect/>
-          </a:stretch>
-        </a:blipFill>
-        <a:effectLst/>
-      </p:bgPr>
-    </p:bg>
-    <p:spTree>
-      <p:nvGrpSpPr>
-        <p:cNvPr id="1" name=""/>
-        <p:cNvGrpSpPr/>
-        <p:nvPr/>
-      </p:nvGrpSpPr>
-      <p:grpSpPr>
-        <a:xfrm>
-          <a:off x="0" y="0"/>
-          <a:ext cx="0" cy="0"/>
-          <a:chOff x="0" y="0"/>
-          <a:chExt cx="0" cy="0"/>
-        </a:xfrm>
-      </p:grpSpPr>
-      <p:sp>
-        <p:nvSpPr>
-          <p:cNvPr id="2" name="Title 1">
-            <a:extLst>
-              <a:ext uri="{FF2B5EF4-FFF2-40B4-BE49-F238E27FC236}">
-                <a16:creationId xmlns:a16="http://schemas.microsoft.com/office/drawing/2014/main" id="{BD5845E3-56DA-6208-17B0-48CEC6EDD593}"/>
-              </a:ext>
-            </a:extLst>
-          </p:cNvPr>
-          <p:cNvSpPr>
-            <a:spLocks noGrp="1"/>
-          </p:cNvSpPr>
-          <p:nvPr>
-            <p:ph type="title"/>
-          </p:nvPr>
-        </p:nvSpPr>
-        <p:spPr/>
-        <p:txBody>
-          <a:bodyPr/>
-          <a:lstStyle/>
-          <a:p>
-            <a:r>
-              <a:rPr lang="en-CN" sz="4400" dirty="0">
-                <a:solidFill>
-                  <a:srgbClr val="12689B"/>
-                </a:solidFill>
-                <a:latin typeface="Helvetica" panose="020B0604020202030204" pitchFamily="34" charset="0"/>
-              </a:rPr>
-              <a:t>Title of Presentation</a:t>
-            </a:r>
-          </a:p>
-        </p:txBody>
-      </p:sp>
-      <p:sp>
-        <p:nvSpPr>
-          <p:cNvPr id="3" name="Text Placeholder 2">
-            <a:extLst>
-              <a:ext uri="{FF2B5EF4-FFF2-40B4-BE49-F238E27FC236}">
-                <a16:creationId xmlns:a16="http://schemas.microsoft.com/office/drawing/2014/main" id="{DA0A56AD-0E1C-8BA5-A081-C7DBC6BF99E3}"/>
-              </a:ext>
-            </a:extLst>
-          </p:cNvPr>
-          <p:cNvSpPr>
-            <a:spLocks noGrp="1"/>
-          </p:cNvSpPr>
-          <p:nvPr>
-            <p:ph type="body" idx="1"/>
-          </p:nvPr>
-        </p:nvSpPr>
-        <p:spPr/>
-        <p:txBody>
-          <a:bodyPr/>
-          <a:lstStyle/>
-          <a:p>
-            <a:r>
-              <a:rPr lang="en-CN" dirty="0"/>
-              <a:t>Subtitle Here</a:t>
-            </a:r>
-          </a:p>
-        </p:txBody>
-      </p:sp>
-    </p:spTree>
-    <p:extLst>
-      <p:ext uri="{BB962C8B-B14F-4D97-AF65-F5344CB8AC3E}">
-        <p14:creationId xmlns:p14="http://schemas.microsoft.com/office/powerpoint/2010/main" val="3747338363"/>
-      </p:ext>
-    </p:extLst>
-  </p:cSld>
-  <p:clrMapOvr>
-    <a:masterClrMapping/>
-  </p:clrMapOvr>
-</p:sld>
-</file>
-
-<file path=ppt/slides/slide3.xml><?xml version="1.0" encoding="utf-8"?>
-<p:sld xmlns:a="http://schemas.openxmlformats.org/drawingml/2006/main" xmlns:r="http://schemas.openxmlformats.org/officeDocument/2006/relationships" xmlns:p="http://schemas.openxmlformats.org/presentationml/2006/main">
-  <p:cSld>
-    <p:bg>
-      <p:bgPr>
-        <a:blipFill dpi="0" rotWithShape="1">
-          <a:blip r:embed="rId2">
-            <a:lum/>
-          </a:blip>
-          <a:srcRect/>
-          <a:stretch>
-            <a:fillRect/>
-          </a:stretch>
-        </a:blipFill>
-        <a:effectLst/>
-      </p:bgPr>
-    </p:bg>
-    <p:spTree>
-      <p:nvGrpSpPr>
-        <p:cNvPr id="1" name=""/>
-        <p:cNvGrpSpPr/>
-        <p:nvPr/>
-      </p:nvGrpSpPr>
-      <p:grpSpPr>
-        <a:xfrm>
-          <a:off x="0" y="0"/>
-          <a:ext cx="0" cy="0"/>
-          <a:chOff x="0" y="0"/>
-          <a:chExt cx="0" cy="0"/>
-        </a:xfrm>
-      </p:grpSpPr>
-      <p:sp>
-        <p:nvSpPr>
-          <p:cNvPr id="8" name="标题 1">
-            <a:extLst>
-              <a:ext uri="{FF2B5EF4-FFF2-40B4-BE49-F238E27FC236}">
-                <a16:creationId xmlns:a16="http://schemas.microsoft.com/office/drawing/2014/main" id="{270EF2DA-5613-0D67-6769-F5F4A35A36D9}"/>
-              </a:ext>
-            </a:extLst>
-          </p:cNvPr>
-          <p:cNvSpPr txBox="1">
-            <a:spLocks/>
-          </p:cNvSpPr>
-          <p:nvPr/>
-        </p:nvSpPr>
-        <p:spPr>
-          <a:xfrm>
-            <a:off x="453910" y="328921"/>
-            <a:ext cx="9144000" cy="787600"/>
-          </a:xfrm>
-          <a:prstGeom prst="rect">
-            <a:avLst/>
-          </a:prstGeom>
-        </p:spPr>
-        <p:txBody>
-          <a:bodyPr vert="horz" lIns="91440" tIns="45720" rIns="91440" bIns="45720" rtlCol="0" anchor="ctr">
-            <a:normAutofit/>
-          </a:bodyPr>
-          <a:lstStyle>
-            <a:lvl1pPr algn="l" defTabSz="914400" rtl="0" eaLnBrk="1" latinLnBrk="0" hangingPunct="1">
-              <a:lnSpc>
-                <a:spcPct val="90000"/>
-              </a:lnSpc>
-              <a:spcBef>
-                <a:spcPct val="0"/>
-              </a:spcBef>
-              <a:buNone/>
-              <a:defRPr sz="4400" kern="1200">
-                <a:solidFill>
-                  <a:schemeClr val="tx1"/>
-                </a:solidFill>
-                <a:latin typeface="+mj-lt"/>
-                <a:ea typeface="+mj-ea"/>
-                <a:cs typeface="+mj-cs"/>
-              </a:defRPr>
-            </a:lvl1pPr>
-          </a:lstStyle>
-          <a:p>
-            <a:r>
-              <a:rPr lang="en-US" altLang="zh-CN" dirty="0">
-                <a:solidFill>
-                  <a:srgbClr val="12689B"/>
-                </a:solidFill>
-                <a:latin typeface="Helvetica" panose="020B0604020202030204" pitchFamily="34" charset="0"/>
-              </a:rPr>
-              <a:t>Title of Presentation</a:t>
-            </a:r>
-            <a:endParaRPr lang="zh-CN" altLang="en-US" dirty="0">
-              <a:solidFill>
-                <a:srgbClr val="12689B"/>
-              </a:solidFill>
-              <a:latin typeface="Helvetica" panose="020B0604020202030204" pitchFamily="34" charset="0"/>
-            </a:endParaRPr>
-          </a:p>
-        </p:txBody>
-      </p:sp>
-      <p:sp>
-        <p:nvSpPr>
-          <p:cNvPr id="9" name="副标题 2">
-            <a:extLst>
-              <a:ext uri="{FF2B5EF4-FFF2-40B4-BE49-F238E27FC236}">
-                <a16:creationId xmlns:a16="http://schemas.microsoft.com/office/drawing/2014/main" id="{DB7EF33A-B526-31E5-28CE-CECCABBD08C5}"/>
-              </a:ext>
-            </a:extLst>
-          </p:cNvPr>
-          <p:cNvSpPr txBox="1">
-            <a:spLocks/>
-          </p:cNvSpPr>
-          <p:nvPr/>
-        </p:nvSpPr>
-        <p:spPr>
-          <a:xfrm>
-            <a:off x="453910" y="1504648"/>
-            <a:ext cx="11328035" cy="4494869"/>
-          </a:xfrm>
-          <a:prstGeom prst="rect">
-            <a:avLst/>
-          </a:prstGeom>
-        </p:spPr>
-        <p:txBody>
-          <a:bodyPr vert="horz" lIns="91440" tIns="45720" rIns="91440" bIns="45720" rtlCol="0">
-            <a:normAutofit/>
-          </a:bodyPr>
-          <a:lstStyle>
-            <a:lvl1pPr marL="228600" indent="-228600" algn="l" defTabSz="914400" rtl="0" eaLnBrk="1" latinLnBrk="0" hangingPunct="1">
-              <a:lnSpc>
-                <a:spcPct val="90000"/>
-              </a:lnSpc>
-              <a:spcBef>
-                <a:spcPts val="1000"/>
-              </a:spcBef>
-              <a:buFont typeface="Arial" panose="020B0604020202020204" pitchFamily="34" charset="0"/>
-              <a:buChar char="•"/>
-              <a:defRPr sz="2800" kern="1200">
-                <a:solidFill>
-                  <a:schemeClr val="tx1"/>
-                </a:solidFill>
-                <a:latin typeface="+mn-lt"/>
-                <a:ea typeface="+mn-ea"/>
-                <a:cs typeface="+mn-cs"/>
-              </a:defRPr>
-            </a:lvl1pPr>
-            <a:lvl2pPr marL="685800" indent="-228600" algn="l" defTabSz="914400" rtl="0" eaLnBrk="1" latinLnBrk="0" hangingPunct="1">
-              <a:lnSpc>
-                <a:spcPct val="90000"/>
-              </a:lnSpc>
-              <a:spcBef>
-                <a:spcPts val="500"/>
-              </a:spcBef>
-              <a:buFont typeface="Arial" panose="020B0604020202020204" pitchFamily="34" charset="0"/>
-              <a:buChar char="•"/>
-              <a:defRPr sz="2400" kern="1200">
-                <a:solidFill>
-                  <a:schemeClr val="tx1"/>
-                </a:solidFill>
-                <a:latin typeface="+mn-lt"/>
-                <a:ea typeface="+mn-ea"/>
-                <a:cs typeface="+mn-cs"/>
-              </a:defRPr>
-            </a:lvl2pPr>
-            <a:lvl3pPr marL="1143000" indent="-228600" algn="l" defTabSz="914400" rtl="0" eaLnBrk="1" latinLnBrk="0" hangingPunct="1">
-              <a:lnSpc>
-                <a:spcPct val="90000"/>
-              </a:lnSpc>
-              <a:spcBef>
-                <a:spcPts val="500"/>
-              </a:spcBef>
-              <a:buFont typeface="Arial" panose="020B0604020202020204" pitchFamily="34" charset="0"/>
-              <a:buChar char="•"/>
-              <a:defRPr sz="2000" kern="1200">
-                <a:solidFill>
-                  <a:schemeClr val="tx1"/>
-                </a:solidFill>
-                <a:latin typeface="+mn-lt"/>
-                <a:ea typeface="+mn-ea"/>
-                <a:cs typeface="+mn-cs"/>
-              </a:defRPr>
-            </a:lvl3pPr>
-            <a:lvl4pPr marL="1600200" indent="-228600" algn="l" defTabSz="914400" rtl="0" eaLnBrk="1" latinLnBrk="0" hangingPunct="1">
-              <a:lnSpc>
-                <a:spcPct val="90000"/>
-              </a:lnSpc>
-              <a:spcBef>
-                <a:spcPts val="500"/>
-              </a:spcBef>
-              <a:buFont typeface="Arial" panose="020B0604020202020204" pitchFamily="34" charset="0"/>
-              <a:buChar char="•"/>
-              <a:defRPr sz="1800" kern="1200">
-                <a:solidFill>
-                  <a:schemeClr val="tx1"/>
-                </a:solidFill>
-                <a:latin typeface="+mn-lt"/>
-                <a:ea typeface="+mn-ea"/>
-                <a:cs typeface="+mn-cs"/>
-              </a:defRPr>
-            </a:lvl4pPr>
-            <a:lvl5pPr marL="2057400" indent="-228600" algn="l" defTabSz="914400" rtl="0" eaLnBrk="1" latinLnBrk="0" hangingPunct="1">
-              <a:lnSpc>
-                <a:spcPct val="90000"/>
-              </a:lnSpc>
-              <a:spcBef>
-                <a:spcPts val="500"/>
-              </a:spcBef>
-              <a:buFont typeface="Arial" panose="020B0604020202020204" pitchFamily="34" charset="0"/>
-              <a:buChar char="•"/>
-              <a:defRPr sz="1800" kern="1200">
-                <a:solidFill>
-                  <a:schemeClr val="tx1"/>
-                </a:solidFill>
-                <a:latin typeface="+mn-lt"/>
-                <a:ea typeface="+mn-ea"/>
-                <a:cs typeface="+mn-cs"/>
-              </a:defRPr>
-            </a:lvl5pPr>
-            <a:lvl6pPr marL="2514600" indent="-228600" algn="l" defTabSz="914400" rtl="0" eaLnBrk="1" latinLnBrk="0" hangingPunct="1">
-              <a:lnSpc>
-                <a:spcPct val="90000"/>
-              </a:lnSpc>
-              <a:spcBef>
-                <a:spcPts val="500"/>
-              </a:spcBef>
-              <a:buFont typeface="Arial" panose="020B0604020202020204" pitchFamily="34" charset="0"/>
-              <a:buChar char="•"/>
-              <a:defRPr sz="1800" kern="1200">
-                <a:solidFill>
-                  <a:schemeClr val="tx1"/>
-                </a:solidFill>
-                <a:latin typeface="+mn-lt"/>
-                <a:ea typeface="+mn-ea"/>
-                <a:cs typeface="+mn-cs"/>
-              </a:defRPr>
-            </a:lvl6pPr>
-            <a:lvl7pPr marL="2971800" indent="-228600" algn="l" defTabSz="914400" rtl="0" eaLnBrk="1" latinLnBrk="0" hangingPunct="1">
-              <a:lnSpc>
-                <a:spcPct val="90000"/>
-              </a:lnSpc>
-              <a:spcBef>
-                <a:spcPts val="500"/>
-              </a:spcBef>
-              <a:buFont typeface="Arial" panose="020B0604020202020204" pitchFamily="34" charset="0"/>
-              <a:buChar char="•"/>
-              <a:defRPr sz="1800" kern="1200">
-                <a:solidFill>
-                  <a:schemeClr val="tx1"/>
-                </a:solidFill>
-                <a:latin typeface="+mn-lt"/>
-                <a:ea typeface="+mn-ea"/>
-                <a:cs typeface="+mn-cs"/>
-              </a:defRPr>
-            </a:lvl7pPr>
-            <a:lvl8pPr marL="3429000" indent="-228600" algn="l" defTabSz="914400" rtl="0" eaLnBrk="1" latinLnBrk="0" hangingPunct="1">
-              <a:lnSpc>
-                <a:spcPct val="90000"/>
-              </a:lnSpc>
-              <a:spcBef>
-                <a:spcPts val="500"/>
-              </a:spcBef>
-              <a:buFont typeface="Arial" panose="020B0604020202020204" pitchFamily="34" charset="0"/>
-              <a:buChar char="•"/>
-              <a:defRPr sz="1800" kern="1200">
-                <a:solidFill>
-                  <a:schemeClr val="tx1"/>
-                </a:solidFill>
-                <a:latin typeface="+mn-lt"/>
-                <a:ea typeface="+mn-ea"/>
-                <a:cs typeface="+mn-cs"/>
-              </a:defRPr>
-            </a:lvl8pPr>
-            <a:lvl9pPr marL="3886200" indent="-228600" algn="l" defTabSz="914400" rtl="0" eaLnBrk="1" latinLnBrk="0" hangingPunct="1">
-              <a:lnSpc>
-                <a:spcPct val="90000"/>
-              </a:lnSpc>
-              <a:spcBef>
-                <a:spcPts val="500"/>
-              </a:spcBef>
-              <a:buFont typeface="Arial" panose="020B0604020202020204" pitchFamily="34" charset="0"/>
-              <a:buChar char="•"/>
-              <a:defRPr sz="1800" kern="1200">
-                <a:solidFill>
-                  <a:schemeClr val="tx1"/>
-                </a:solidFill>
-                <a:latin typeface="+mn-lt"/>
-                <a:ea typeface="+mn-ea"/>
-                <a:cs typeface="+mn-cs"/>
-              </a:defRPr>
-            </a:lvl9pPr>
-          </a:lstStyle>
-          <a:p>
             <a:pPr marL="0" indent="0">
               <a:buNone/>
             </a:pPr>
@@ -4444,350 +4059,6 @@
     <p:extLst>
       <p:ext uri="{BB962C8B-B14F-4D97-AF65-F5344CB8AC3E}">
         <p14:creationId xmlns:p14="http://schemas.microsoft.com/office/powerpoint/2010/main" val="1742878728"/>
-      </p:ext>
-    </p:extLst>
-  </p:cSld>
-  <p:clrMapOvr>
-    <a:masterClrMapping/>
-  </p:clrMapOvr>
-</p:sld>
-</file>
-
-<file path=ppt/slides/slide4.xml><?xml version="1.0" encoding="utf-8"?>
-<p:sld xmlns:a="http://schemas.openxmlformats.org/drawingml/2006/main" xmlns:r="http://schemas.openxmlformats.org/officeDocument/2006/relationships" xmlns:p="http://schemas.openxmlformats.org/presentationml/2006/main">
-  <p:cSld>
-    <p:bg>
-      <p:bgPr>
-        <a:solidFill>
-          <a:schemeClr val="bg1"/>
-        </a:solidFill>
-        <a:effectLst/>
-      </p:bgPr>
-    </p:bg>
-    <p:spTree>
-      <p:nvGrpSpPr>
-        <p:cNvPr id="1" name=""/>
-        <p:cNvGrpSpPr/>
-        <p:nvPr/>
-      </p:nvGrpSpPr>
-      <p:grpSpPr>
-        <a:xfrm>
-          <a:off x="0" y="0"/>
-          <a:ext cx="0" cy="0"/>
-          <a:chOff x="0" y="0"/>
-          <a:chExt cx="0" cy="0"/>
-        </a:xfrm>
-      </p:grpSpPr>
-      <p:pic>
-        <p:nvPicPr>
-          <p:cNvPr id="5" name="Content Placeholder 4">
-            <a:extLst>
-              <a:ext uri="{FF2B5EF4-FFF2-40B4-BE49-F238E27FC236}">
-                <a16:creationId xmlns:a16="http://schemas.microsoft.com/office/drawing/2014/main" id="{FEBA90C6-BDFC-87E1-E478-5E9F6168232B}"/>
-              </a:ext>
-            </a:extLst>
-          </p:cNvPr>
-          <p:cNvPicPr>
-            <a:picLocks noGrp="1" noChangeAspect="1"/>
-          </p:cNvPicPr>
-          <p:nvPr>
-            <p:ph idx="4294967295"/>
-          </p:nvPr>
-        </p:nvPicPr>
-        <p:blipFill>
-          <a:blip r:embed="rId2">
-            <a:extLst>
-              <a:ext uri="{28A0092B-C50C-407E-A947-70E740481C1C}">
-                <a14:useLocalDpi xmlns:a14="http://schemas.microsoft.com/office/drawing/2010/main" val="0"/>
-              </a:ext>
-            </a:extLst>
-          </a:blip>
-          <a:stretch>
-            <a:fillRect/>
-          </a:stretch>
-        </p:blipFill>
-        <p:spPr>
-          <a:xfrm>
-            <a:off x="0" y="0"/>
-            <a:ext cx="12192000" cy="6858000"/>
-          </a:xfrm>
-        </p:spPr>
-      </p:pic>
-      <p:sp>
-        <p:nvSpPr>
-          <p:cNvPr id="6" name="Title 5">
-            <a:extLst>
-              <a:ext uri="{FF2B5EF4-FFF2-40B4-BE49-F238E27FC236}">
-                <a16:creationId xmlns:a16="http://schemas.microsoft.com/office/drawing/2014/main" id="{ADA85A81-A972-21B8-32ED-A7FD9B2D7BD6}"/>
-              </a:ext>
-            </a:extLst>
-          </p:cNvPr>
-          <p:cNvSpPr>
-            <a:spLocks noGrp="1"/>
-          </p:cNvSpPr>
-          <p:nvPr>
-            <p:ph type="ctrTitle"/>
-          </p:nvPr>
-        </p:nvSpPr>
-        <p:spPr/>
-        <p:txBody>
-          <a:bodyPr/>
-          <a:lstStyle/>
-          <a:p>
-            <a:endParaRPr lang="en-CN"/>
-          </a:p>
-        </p:txBody>
-      </p:sp>
-      <p:sp>
-        <p:nvSpPr>
-          <p:cNvPr id="7" name="Subtitle 6">
-            <a:extLst>
-              <a:ext uri="{FF2B5EF4-FFF2-40B4-BE49-F238E27FC236}">
-                <a16:creationId xmlns:a16="http://schemas.microsoft.com/office/drawing/2014/main" id="{AEF72218-8EBA-D3C1-C9CA-52A5FE0072E5}"/>
-              </a:ext>
-            </a:extLst>
-          </p:cNvPr>
-          <p:cNvSpPr>
-            <a:spLocks noGrp="1"/>
-          </p:cNvSpPr>
-          <p:nvPr>
-            <p:ph type="subTitle" idx="1"/>
-          </p:nvPr>
-        </p:nvSpPr>
-        <p:spPr/>
-        <p:txBody>
-          <a:bodyPr/>
-          <a:lstStyle/>
-          <a:p>
-            <a:endParaRPr lang="en-CN"/>
-          </a:p>
-        </p:txBody>
-      </p:sp>
-    </p:spTree>
-    <p:extLst>
-      <p:ext uri="{BB962C8B-B14F-4D97-AF65-F5344CB8AC3E}">
-        <p14:creationId xmlns:p14="http://schemas.microsoft.com/office/powerpoint/2010/main" val="1062880362"/>
-      </p:ext>
-    </p:extLst>
-  </p:cSld>
-  <p:clrMapOvr>
-    <a:masterClrMapping/>
-  </p:clrMapOvr>
-</p:sld>
-</file>
-
-<file path=ppt/slides/slide5.xml><?xml version="1.0" encoding="utf-8"?>
-<p:sld xmlns:a="http://schemas.openxmlformats.org/drawingml/2006/main" xmlns:r="http://schemas.openxmlformats.org/officeDocument/2006/relationships" xmlns:p="http://schemas.openxmlformats.org/presentationml/2006/main">
-  <p:cSld>
-    <p:bg>
-      <p:bgPr>
-        <a:solidFill>
-          <a:schemeClr val="bg1"/>
-        </a:solidFill>
-        <a:effectLst/>
-      </p:bgPr>
-    </p:bg>
-    <p:spTree>
-      <p:nvGrpSpPr>
-        <p:cNvPr id="1" name=""/>
-        <p:cNvGrpSpPr/>
-        <p:nvPr/>
-      </p:nvGrpSpPr>
-      <p:grpSpPr>
-        <a:xfrm>
-          <a:off x="0" y="0"/>
-          <a:ext cx="0" cy="0"/>
-          <a:chOff x="0" y="0"/>
-          <a:chExt cx="0" cy="0"/>
-        </a:xfrm>
-      </p:grpSpPr>
-      <p:pic>
-        <p:nvPicPr>
-          <p:cNvPr id="5" name="Content Placeholder 4">
-            <a:extLst>
-              <a:ext uri="{FF2B5EF4-FFF2-40B4-BE49-F238E27FC236}">
-                <a16:creationId xmlns:a16="http://schemas.microsoft.com/office/drawing/2014/main" id="{7879072E-71EF-E9F2-DD1F-5B3D19FF8E2D}"/>
-              </a:ext>
-            </a:extLst>
-          </p:cNvPr>
-          <p:cNvPicPr>
-            <a:picLocks noGrp="1" noChangeAspect="1"/>
-          </p:cNvPicPr>
-          <p:nvPr>
-            <p:ph idx="4294967295"/>
-          </p:nvPr>
-        </p:nvPicPr>
-        <p:blipFill>
-          <a:blip r:embed="rId2">
-            <a:extLst>
-              <a:ext uri="{28A0092B-C50C-407E-A947-70E740481C1C}">
-                <a14:useLocalDpi xmlns:a14="http://schemas.microsoft.com/office/drawing/2010/main" val="0"/>
-              </a:ext>
-            </a:extLst>
-          </a:blip>
-          <a:stretch>
-            <a:fillRect/>
-          </a:stretch>
-        </p:blipFill>
-        <p:spPr>
-          <a:xfrm>
-            <a:off x="0" y="0"/>
-            <a:ext cx="12192000" cy="6858000"/>
-          </a:xfrm>
-        </p:spPr>
-      </p:pic>
-      <p:sp>
-        <p:nvSpPr>
-          <p:cNvPr id="6" name="Title 5">
-            <a:extLst>
-              <a:ext uri="{FF2B5EF4-FFF2-40B4-BE49-F238E27FC236}">
-                <a16:creationId xmlns:a16="http://schemas.microsoft.com/office/drawing/2014/main" id="{BB068F41-CE98-BD1C-5EB1-8C33F2FD4FAB}"/>
-              </a:ext>
-            </a:extLst>
-          </p:cNvPr>
-          <p:cNvSpPr>
-            <a:spLocks noGrp="1"/>
-          </p:cNvSpPr>
-          <p:nvPr>
-            <p:ph type="title"/>
-          </p:nvPr>
-        </p:nvSpPr>
-        <p:spPr/>
-        <p:txBody>
-          <a:bodyPr/>
-          <a:lstStyle/>
-          <a:p>
-            <a:endParaRPr lang="en-CN"/>
-          </a:p>
-        </p:txBody>
-      </p:sp>
-      <p:sp>
-        <p:nvSpPr>
-          <p:cNvPr id="7" name="Text Placeholder 6">
-            <a:extLst>
-              <a:ext uri="{FF2B5EF4-FFF2-40B4-BE49-F238E27FC236}">
-                <a16:creationId xmlns:a16="http://schemas.microsoft.com/office/drawing/2014/main" id="{7BF2B1E4-2727-45DC-C66B-6423F4C3ECF8}"/>
-              </a:ext>
-            </a:extLst>
-          </p:cNvPr>
-          <p:cNvSpPr>
-            <a:spLocks noGrp="1"/>
-          </p:cNvSpPr>
-          <p:nvPr>
-            <p:ph type="body" idx="1"/>
-          </p:nvPr>
-        </p:nvSpPr>
-        <p:spPr/>
-        <p:txBody>
-          <a:bodyPr/>
-          <a:lstStyle/>
-          <a:p>
-            <a:endParaRPr lang="en-CN"/>
-          </a:p>
-        </p:txBody>
-      </p:sp>
-    </p:spTree>
-    <p:extLst>
-      <p:ext uri="{BB962C8B-B14F-4D97-AF65-F5344CB8AC3E}">
-        <p14:creationId xmlns:p14="http://schemas.microsoft.com/office/powerpoint/2010/main" val="510726380"/>
-      </p:ext>
-    </p:extLst>
-  </p:cSld>
-  <p:clrMapOvr>
-    <a:masterClrMapping/>
-  </p:clrMapOvr>
-</p:sld>
-</file>
-
-<file path=ppt/slides/slide6.xml><?xml version="1.0" encoding="utf-8"?>
-<p:sld xmlns:a="http://schemas.openxmlformats.org/drawingml/2006/main" xmlns:r="http://schemas.openxmlformats.org/officeDocument/2006/relationships" xmlns:p="http://schemas.openxmlformats.org/presentationml/2006/main">
-  <p:cSld>
-    <p:bg>
-      <p:bgPr>
-        <a:solidFill>
-          <a:schemeClr val="bg1"/>
-        </a:solidFill>
-        <a:effectLst/>
-      </p:bgPr>
-    </p:bg>
-    <p:spTree>
-      <p:nvGrpSpPr>
-        <p:cNvPr id="1" name=""/>
-        <p:cNvGrpSpPr/>
-        <p:nvPr/>
-      </p:nvGrpSpPr>
-      <p:grpSpPr>
-        <a:xfrm>
-          <a:off x="0" y="0"/>
-          <a:ext cx="0" cy="0"/>
-          <a:chOff x="0" y="0"/>
-          <a:chExt cx="0" cy="0"/>
-        </a:xfrm>
-      </p:grpSpPr>
-      <p:pic>
-        <p:nvPicPr>
-          <p:cNvPr id="5" name="Content Placeholder 4">
-            <a:extLst>
-              <a:ext uri="{FF2B5EF4-FFF2-40B4-BE49-F238E27FC236}">
-                <a16:creationId xmlns:a16="http://schemas.microsoft.com/office/drawing/2014/main" id="{E8ECD2BC-DEA5-7468-D67F-A77137754EC6}"/>
-              </a:ext>
-            </a:extLst>
-          </p:cNvPr>
-          <p:cNvPicPr>
-            <a:picLocks noGrp="1" noChangeAspect="1"/>
-          </p:cNvPicPr>
-          <p:nvPr>
-            <p:ph idx="1"/>
-          </p:nvPr>
-        </p:nvPicPr>
-        <p:blipFill>
-          <a:blip r:embed="rId2">
-            <a:extLst>
-              <a:ext uri="{28A0092B-C50C-407E-A947-70E740481C1C}">
-                <a14:useLocalDpi xmlns:a14="http://schemas.microsoft.com/office/drawing/2010/main" val="0"/>
-              </a:ext>
-            </a:extLst>
-          </a:blip>
-          <a:stretch>
-            <a:fillRect/>
-          </a:stretch>
-        </p:blipFill>
-        <p:spPr>
-          <a:xfrm>
-            <a:off x="0" y="0"/>
-            <a:ext cx="12192000" cy="6858000"/>
-          </a:xfrm>
-        </p:spPr>
-      </p:pic>
-      <p:sp>
-        <p:nvSpPr>
-          <p:cNvPr id="2" name="Title 1">
-            <a:extLst>
-              <a:ext uri="{FF2B5EF4-FFF2-40B4-BE49-F238E27FC236}">
-                <a16:creationId xmlns:a16="http://schemas.microsoft.com/office/drawing/2014/main" id="{9F2577CC-5116-CF5E-2B94-530F1517FC13}"/>
-              </a:ext>
-            </a:extLst>
-          </p:cNvPr>
-          <p:cNvSpPr>
-            <a:spLocks noGrp="1"/>
-          </p:cNvSpPr>
-          <p:nvPr>
-            <p:ph type="title"/>
-          </p:nvPr>
-        </p:nvSpPr>
-        <p:spPr/>
-        <p:txBody>
-          <a:bodyPr/>
-          <a:lstStyle/>
-          <a:p>
-            <a:endParaRPr lang="en-CN"/>
-          </a:p>
-        </p:txBody>
-      </p:sp>
-    </p:spTree>
-    <p:extLst>
-      <p:ext uri="{BB962C8B-B14F-4D97-AF65-F5344CB8AC3E}">
-        <p14:creationId xmlns:p14="http://schemas.microsoft.com/office/powerpoint/2010/main" val="3853259842"/>
       </p:ext>
     </p:extLst>
   </p:cSld>
